--- a/poster_material/poster.pptx
+++ b/poster_material/poster.pptx
@@ -104,6 +104,11 @@
       </a:defRPr>
     </a:lvl9pPr>
   </p:defaultTextStyle>
+  <p:extLst>
+    <p:ext uri="{EFAFB233-063F-42B5-8137-9DF3F51BA10A}">
+      <p15:sldGuideLst xmlns:p15="http://schemas.microsoft.com/office/powerpoint/2012/main"/>
+    </p:ext>
+  </p:extLst>
 </p:presentation>
 </file>
 
@@ -250,7 +255,7 @@
           <a:p>
             <a:fld id="{1572CE51-A656-4332-841A-A582032AFAE3}" type="datetimeFigureOut">
               <a:rPr lang="en-US" smtClean="0"/>
-              <a:t>4/14/2021</a:t>
+              <a:t>4/15/2021</a:t>
             </a:fld>
             <a:endParaRPr lang="en-US"/>
           </a:p>
@@ -420,7 +425,7 @@
           <a:p>
             <a:fld id="{1572CE51-A656-4332-841A-A582032AFAE3}" type="datetimeFigureOut">
               <a:rPr lang="en-US" smtClean="0"/>
-              <a:t>4/14/2021</a:t>
+              <a:t>4/15/2021</a:t>
             </a:fld>
             <a:endParaRPr lang="en-US"/>
           </a:p>
@@ -600,7 +605,7 @@
           <a:p>
             <a:fld id="{1572CE51-A656-4332-841A-A582032AFAE3}" type="datetimeFigureOut">
               <a:rPr lang="en-US" smtClean="0"/>
-              <a:t>4/14/2021</a:t>
+              <a:t>4/15/2021</a:t>
             </a:fld>
             <a:endParaRPr lang="en-US"/>
           </a:p>
@@ -770,7 +775,7 @@
           <a:p>
             <a:fld id="{1572CE51-A656-4332-841A-A582032AFAE3}" type="datetimeFigureOut">
               <a:rPr lang="en-US" smtClean="0"/>
-              <a:t>4/14/2021</a:t>
+              <a:t>4/15/2021</a:t>
             </a:fld>
             <a:endParaRPr lang="en-US"/>
           </a:p>
@@ -1014,7 +1019,7 @@
           <a:p>
             <a:fld id="{1572CE51-A656-4332-841A-A582032AFAE3}" type="datetimeFigureOut">
               <a:rPr lang="en-US" smtClean="0"/>
-              <a:t>4/14/2021</a:t>
+              <a:t>4/15/2021</a:t>
             </a:fld>
             <a:endParaRPr lang="en-US"/>
           </a:p>
@@ -1246,7 +1251,7 @@
           <a:p>
             <a:fld id="{1572CE51-A656-4332-841A-A582032AFAE3}" type="datetimeFigureOut">
               <a:rPr lang="en-US" smtClean="0"/>
-              <a:t>4/14/2021</a:t>
+              <a:t>4/15/2021</a:t>
             </a:fld>
             <a:endParaRPr lang="en-US"/>
           </a:p>
@@ -1613,7 +1618,7 @@
           <a:p>
             <a:fld id="{1572CE51-A656-4332-841A-A582032AFAE3}" type="datetimeFigureOut">
               <a:rPr lang="en-US" smtClean="0"/>
-              <a:t>4/14/2021</a:t>
+              <a:t>4/15/2021</a:t>
             </a:fld>
             <a:endParaRPr lang="en-US"/>
           </a:p>
@@ -1731,7 +1736,7 @@
           <a:p>
             <a:fld id="{1572CE51-A656-4332-841A-A582032AFAE3}" type="datetimeFigureOut">
               <a:rPr lang="en-US" smtClean="0"/>
-              <a:t>4/14/2021</a:t>
+              <a:t>4/15/2021</a:t>
             </a:fld>
             <a:endParaRPr lang="en-US"/>
           </a:p>
@@ -1826,7 +1831,7 @@
           <a:p>
             <a:fld id="{1572CE51-A656-4332-841A-A582032AFAE3}" type="datetimeFigureOut">
               <a:rPr lang="en-US" smtClean="0"/>
-              <a:t>4/14/2021</a:t>
+              <a:t>4/15/2021</a:t>
             </a:fld>
             <a:endParaRPr lang="en-US"/>
           </a:p>
@@ -2103,7 +2108,7 @@
           <a:p>
             <a:fld id="{1572CE51-A656-4332-841A-A582032AFAE3}" type="datetimeFigureOut">
               <a:rPr lang="en-US" smtClean="0"/>
-              <a:t>4/14/2021</a:t>
+              <a:t>4/15/2021</a:t>
             </a:fld>
             <a:endParaRPr lang="en-US"/>
           </a:p>
@@ -2360,7 +2365,7 @@
           <a:p>
             <a:fld id="{1572CE51-A656-4332-841A-A582032AFAE3}" type="datetimeFigureOut">
               <a:rPr lang="en-US" smtClean="0"/>
-              <a:t>4/14/2021</a:t>
+              <a:t>4/15/2021</a:t>
             </a:fld>
             <a:endParaRPr lang="en-US"/>
           </a:p>
@@ -2573,7 +2578,7 @@
           <a:p>
             <a:fld id="{1572CE51-A656-4332-841A-A582032AFAE3}" type="datetimeFigureOut">
               <a:rPr lang="en-US" smtClean="0"/>
-              <a:t>4/14/2021</a:t>
+              <a:t>4/15/2021</a:t>
             </a:fld>
             <a:endParaRPr lang="en-US"/>
           </a:p>
@@ -4195,6 +4200,140 @@
           </a:p>
         </p:txBody>
       </p:sp>
+      <p:pic>
+        <p:nvPicPr>
+          <p:cNvPr id="3" name="图片 2">
+            <a:extLst>
+              <a:ext uri="{FF2B5EF4-FFF2-40B4-BE49-F238E27FC236}">
+                <a16:creationId xmlns:a16="http://schemas.microsoft.com/office/drawing/2014/main" id="{9A4788B7-016E-4B72-8525-BF26A6BE6EF5}"/>
+              </a:ext>
+            </a:extLst>
+          </p:cNvPr>
+          <p:cNvPicPr>
+            <a:picLocks noChangeAspect="1"/>
+          </p:cNvPicPr>
+          <p:nvPr/>
+        </p:nvPicPr>
+        <p:blipFill rotWithShape="1">
+          <a:blip r:embed="rId8">
+            <a:extLst>
+              <a:ext uri="{28A0092B-C50C-407E-A947-70E740481C1C}">
+                <a14:useLocalDpi xmlns:a14="http://schemas.microsoft.com/office/drawing/2010/main" val="0"/>
+              </a:ext>
+            </a:extLst>
+          </a:blip>
+          <a:srcRect t="29409" b="46123"/>
+          <a:stretch/>
+        </p:blipFill>
+        <p:spPr>
+          <a:xfrm>
+            <a:off x="163092" y="24509331"/>
+            <a:ext cx="16641927" cy="5765882"/>
+          </a:xfrm>
+          <a:prstGeom prst="rect">
+            <a:avLst/>
+          </a:prstGeom>
+        </p:spPr>
+      </p:pic>
+      <p:sp>
+        <p:nvSpPr>
+          <p:cNvPr id="33" name="TextBox 25">
+            <a:extLst>
+              <a:ext uri="{FF2B5EF4-FFF2-40B4-BE49-F238E27FC236}">
+                <a16:creationId xmlns:a16="http://schemas.microsoft.com/office/drawing/2014/main" id="{6AF80687-31FA-4A89-B14D-F9EE826A582D}"/>
+              </a:ext>
+            </a:extLst>
+          </p:cNvPr>
+          <p:cNvSpPr txBox="1"/>
+          <p:nvPr/>
+        </p:nvSpPr>
+        <p:spPr>
+          <a:xfrm>
+            <a:off x="458211" y="23909167"/>
+            <a:ext cx="23462655" cy="600164"/>
+          </a:xfrm>
+          <a:prstGeom prst="rect">
+            <a:avLst/>
+          </a:prstGeom>
+          <a:noFill/>
+        </p:spPr>
+        <p:txBody>
+          <a:bodyPr wrap="square" rtlCol="0">
+            <a:spAutoFit/>
+          </a:bodyPr>
+          <a:lstStyle/>
+          <a:p>
+            <a:r>
+              <a:rPr lang="en-US" sz="3300" dirty="0">
+                <a:latin typeface="Comic Sans MS" panose="030F0702030302020204" pitchFamily="66" charset="0"/>
+              </a:rPr>
+              <a:t>We offer a post-processing super-resolution option </a:t>
+            </a:r>
+            <a:r>
+              <a:rPr lang="en-US" altLang="zh-CN" sz="3300" dirty="0">
+                <a:latin typeface="Comic Sans MS" panose="030F0702030302020204" pitchFamily="66" charset="0"/>
+              </a:rPr>
+              <a:t>for advanced users with better hardware want higher resolution.</a:t>
+            </a:r>
+            <a:endParaRPr lang="en-US" sz="3300" dirty="0">
+              <a:latin typeface="Comic Sans MS" panose="030F0702030302020204" pitchFamily="66" charset="0"/>
+            </a:endParaRPr>
+          </a:p>
+        </p:txBody>
+      </p:sp>
+      <p:sp>
+        <p:nvSpPr>
+          <p:cNvPr id="34" name="TextBox 24">
+            <a:extLst>
+              <a:ext uri="{FF2B5EF4-FFF2-40B4-BE49-F238E27FC236}">
+                <a16:creationId xmlns:a16="http://schemas.microsoft.com/office/drawing/2014/main" id="{96FC58EC-8A76-4353-8199-BAF74EF22C19}"/>
+              </a:ext>
+            </a:extLst>
+          </p:cNvPr>
+          <p:cNvSpPr txBox="1"/>
+          <p:nvPr/>
+        </p:nvSpPr>
+        <p:spPr>
+          <a:xfrm>
+            <a:off x="16743001" y="24732729"/>
+            <a:ext cx="6631858" cy="4708981"/>
+          </a:xfrm>
+          <a:prstGeom prst="rect">
+            <a:avLst/>
+          </a:prstGeom>
+          <a:noFill/>
+        </p:spPr>
+        <p:txBody>
+          <a:bodyPr wrap="square" rtlCol="0">
+            <a:spAutoFit/>
+          </a:bodyPr>
+          <a:lstStyle/>
+          <a:p>
+            <a:r>
+              <a:rPr lang="en-US" sz="2500" dirty="0">
+                <a:latin typeface="Cavolini" panose="03000502040302020204" pitchFamily="66" charset="0"/>
+                <a:cs typeface="Cavolini" panose="03000502040302020204" pitchFamily="66" charset="0"/>
+              </a:rPr>
+              <a:t>For the backend, we use state-of-the-art SR model DCSCN, which is known for efficiency. The pretrained model is based on the anime character dataset and achieved excellent performance with real-time processing for video streaming on GTX 2070.</a:t>
+            </a:r>
+          </a:p>
+          <a:p>
+            <a:endParaRPr lang="en-US" sz="2500" dirty="0">
+              <a:latin typeface="Cavolini" panose="03000502040302020204" pitchFamily="66" charset="0"/>
+              <a:cs typeface="Cavolini" panose="03000502040302020204" pitchFamily="66" charset="0"/>
+            </a:endParaRPr>
+          </a:p>
+          <a:p>
+            <a:r>
+              <a:rPr lang="en-US" sz="2500" dirty="0">
+                <a:latin typeface="Cavolini" panose="03000502040302020204" pitchFamily="66" charset="0"/>
+                <a:cs typeface="Cavolini" panose="03000502040302020204" pitchFamily="66" charset="0"/>
+              </a:rPr>
+              <a:t>All post-processing is transparent to the user and switch-on can easily be done with a single button.</a:t>
+            </a:r>
+          </a:p>
+        </p:txBody>
+      </p:sp>
     </p:spTree>
     <p:extLst>
       <p:ext uri="{BB962C8B-B14F-4D97-AF65-F5344CB8AC3E}">

--- a/poster_material/poster.pptx
+++ b/poster_material/poster.pptx
@@ -4334,6 +4334,213 @@
           </a:p>
         </p:txBody>
       </p:sp>
+      <p:pic>
+        <p:nvPicPr>
+          <p:cNvPr id="16" name="图片 15">
+            <a:extLst>
+              <a:ext uri="{FF2B5EF4-FFF2-40B4-BE49-F238E27FC236}">
+                <a16:creationId xmlns:a16="http://schemas.microsoft.com/office/drawing/2014/main" id="{4460CF91-3238-4A4D-92A6-38CE88820CB0}"/>
+              </a:ext>
+            </a:extLst>
+          </p:cNvPr>
+          <p:cNvPicPr>
+            <a:picLocks noChangeAspect="1"/>
+          </p:cNvPicPr>
+          <p:nvPr/>
+        </p:nvPicPr>
+        <p:blipFill rotWithShape="1">
+          <a:blip r:embed="rId9">
+            <a:extLst>
+              <a:ext uri="{28A0092B-C50C-407E-A947-70E740481C1C}">
+                <a14:useLocalDpi xmlns:a14="http://schemas.microsoft.com/office/drawing/2010/main" val="0"/>
+              </a:ext>
+            </a:extLst>
+          </a:blip>
+          <a:srcRect r="-1860" b="85512"/>
+          <a:stretch/>
+        </p:blipFill>
+        <p:spPr>
+          <a:xfrm>
+            <a:off x="27108887" y="17433524"/>
+            <a:ext cx="8358267" cy="1645653"/>
+          </a:xfrm>
+          <a:prstGeom prst="rect">
+            <a:avLst/>
+          </a:prstGeom>
+        </p:spPr>
+      </p:pic>
+      <p:pic>
+        <p:nvPicPr>
+          <p:cNvPr id="20" name="图片 19">
+            <a:extLst>
+              <a:ext uri="{FF2B5EF4-FFF2-40B4-BE49-F238E27FC236}">
+                <a16:creationId xmlns:a16="http://schemas.microsoft.com/office/drawing/2014/main" id="{26F62E0A-3410-4882-B007-84864C442B7F}"/>
+              </a:ext>
+            </a:extLst>
+          </p:cNvPr>
+          <p:cNvPicPr>
+            <a:picLocks noChangeAspect="1"/>
+          </p:cNvPicPr>
+          <p:nvPr/>
+        </p:nvPicPr>
+        <p:blipFill>
+          <a:blip r:embed="rId10">
+            <a:extLst>
+              <a:ext uri="{28A0092B-C50C-407E-A947-70E740481C1C}">
+                <a14:useLocalDpi xmlns:a14="http://schemas.microsoft.com/office/drawing/2010/main" val="0"/>
+              </a:ext>
+            </a:extLst>
+          </a:blip>
+          <a:stretch>
+            <a:fillRect/>
+          </a:stretch>
+        </p:blipFill>
+        <p:spPr>
+          <a:xfrm>
+            <a:off x="33510277" y="18781561"/>
+            <a:ext cx="6631858" cy="11087958"/>
+          </a:xfrm>
+          <a:prstGeom prst="rect">
+            <a:avLst/>
+          </a:prstGeom>
+        </p:spPr>
+      </p:pic>
+      <p:pic>
+        <p:nvPicPr>
+          <p:cNvPr id="23" name="图片 22">
+            <a:extLst>
+              <a:ext uri="{FF2B5EF4-FFF2-40B4-BE49-F238E27FC236}">
+                <a16:creationId xmlns:a16="http://schemas.microsoft.com/office/drawing/2014/main" id="{AB72CB2A-40BB-4BEE-9A89-2FC359BADB8B}"/>
+              </a:ext>
+            </a:extLst>
+          </p:cNvPr>
+          <p:cNvPicPr>
+            <a:picLocks noChangeAspect="1"/>
+          </p:cNvPicPr>
+          <p:nvPr/>
+        </p:nvPicPr>
+        <p:blipFill>
+          <a:blip r:embed="rId11">
+            <a:extLst>
+              <a:ext uri="{28A0092B-C50C-407E-A947-70E740481C1C}">
+                <a14:useLocalDpi xmlns:a14="http://schemas.microsoft.com/office/drawing/2010/main" val="0"/>
+              </a:ext>
+            </a:extLst>
+          </a:blip>
+          <a:stretch>
+            <a:fillRect/>
+          </a:stretch>
+        </p:blipFill>
+        <p:spPr>
+          <a:xfrm>
+            <a:off x="27528789" y="19723157"/>
+            <a:ext cx="4993575" cy="9572348"/>
+          </a:xfrm>
+          <a:prstGeom prst="rect">
+            <a:avLst/>
+          </a:prstGeom>
+        </p:spPr>
+      </p:pic>
+      <p:sp>
+        <p:nvSpPr>
+          <p:cNvPr id="30" name="文本框 29">
+            <a:extLst>
+              <a:ext uri="{FF2B5EF4-FFF2-40B4-BE49-F238E27FC236}">
+                <a16:creationId xmlns:a16="http://schemas.microsoft.com/office/drawing/2014/main" id="{EA777B33-A4AC-4285-AA11-4052578DD5EA}"/>
+              </a:ext>
+            </a:extLst>
+          </p:cNvPr>
+          <p:cNvSpPr txBox="1"/>
+          <p:nvPr/>
+        </p:nvSpPr>
+        <p:spPr>
+          <a:xfrm>
+            <a:off x="666017" y="18553284"/>
+            <a:ext cx="21758800" cy="3877985"/>
+          </a:xfrm>
+          <a:prstGeom prst="rect">
+            <a:avLst/>
+          </a:prstGeom>
+          <a:noFill/>
+        </p:spPr>
+        <p:txBody>
+          <a:bodyPr wrap="square" rtlCol="0">
+            <a:spAutoFit/>
+          </a:bodyPr>
+          <a:lstStyle/>
+          <a:p>
+            <a:r>
+              <a:rPr lang="en-US" altLang="zh-CN" sz="3200" b="1" i="0" dirty="0">
+                <a:solidFill>
+                  <a:srgbClr val="24292E"/>
+                </a:solidFill>
+                <a:effectLst/>
+                <a:latin typeface="Comic Sans MS" panose="030F0702030302020204" pitchFamily="66" charset="0"/>
+              </a:rPr>
+              <a:t>Use pretrained CNN model(mmod_human_face_detector.dat to better locate the 3D faces.</a:t>
+            </a:r>
+          </a:p>
+          <a:p>
+            <a:endParaRPr lang="en-US" altLang="zh-CN" sz="3200" b="1" i="0" dirty="0">
+              <a:solidFill>
+                <a:srgbClr val="24292E"/>
+              </a:solidFill>
+              <a:effectLst/>
+              <a:latin typeface="Comic Sans MS" panose="030F0702030302020204" pitchFamily="66" charset="0"/>
+            </a:endParaRPr>
+          </a:p>
+          <a:p>
+            <a:r>
+              <a:rPr lang="en-US" altLang="zh-CN" sz="2500" dirty="0">
+                <a:latin typeface="Cavolini" panose="03000502040302020204" pitchFamily="66" charset="0"/>
+                <a:cs typeface="Cavolini" panose="03000502040302020204" pitchFamily="66" charset="0"/>
+              </a:rPr>
+              <a:t>This is trained on this dataset: </a:t>
+            </a:r>
+            <a:r>
+              <a:rPr lang="en-US" altLang="zh-CN" sz="2500" dirty="0">
+                <a:latin typeface="Cavolini" panose="03000502040302020204" pitchFamily="66" charset="0"/>
+                <a:cs typeface="Cavolini" panose="03000502040302020204" pitchFamily="66" charset="0"/>
+                <a:hlinkClick r:id="rId12">
+                  <a:extLst>
+                    <a:ext uri="{A12FA001-AC4F-418D-AE19-62706E023703}">
+                      <ahyp:hlinkClr xmlns:ahyp="http://schemas.microsoft.com/office/drawing/2018/hyperlinkcolor" val="tx"/>
+                    </a:ext>
+                  </a:extLst>
+                </a:hlinkClick>
+              </a:rPr>
+              <a:t>http://dlib.net/files/data/dlib_face_detection_dataset-2016-09-30.tar.gz</a:t>
+            </a:r>
+            <a:r>
+              <a:rPr lang="en-US" altLang="zh-CN" sz="2500" dirty="0">
+                <a:latin typeface="Cavolini" panose="03000502040302020204" pitchFamily="66" charset="0"/>
+                <a:cs typeface="Cavolini" panose="03000502040302020204" pitchFamily="66" charset="0"/>
+              </a:rPr>
+              <a:t>. which is created by finding face images in many publicly available image datasets (excluding the FDDB dataset). In particular, there are images from ImageNet, AFLW, Pascal VOC, the VGG dataset, WIDER, and face scrub.</a:t>
+            </a:r>
+          </a:p>
+          <a:p>
+            <a:endParaRPr lang="en-US" altLang="zh-CN" sz="2500" dirty="0">
+              <a:latin typeface="Cavolini" panose="03000502040302020204" pitchFamily="66" charset="0"/>
+              <a:cs typeface="Cavolini" panose="03000502040302020204" pitchFamily="66" charset="0"/>
+            </a:endParaRPr>
+          </a:p>
+          <a:p>
+            <a:r>
+              <a:rPr lang="en-US" altLang="zh-CN" sz="2500" dirty="0">
+                <a:latin typeface="Cavolini" panose="03000502040302020204" pitchFamily="66" charset="0"/>
+                <a:cs typeface="Cavolini" panose="03000502040302020204" pitchFamily="66" charset="0"/>
+              </a:rPr>
+              <a:t>CNN model improve the accuracy of detecting faces compared to the original mode based on Histogram of oriented gradient and linear classifier</a:t>
+            </a:r>
+          </a:p>
+          <a:p>
+            <a:endParaRPr lang="zh-CN" altLang="en-US" sz="3200" dirty="0">
+              <a:latin typeface="Comic Sans MS" panose="030F0702030302020204" pitchFamily="66" charset="0"/>
+            </a:endParaRPr>
+          </a:p>
+        </p:txBody>
+      </p:sp>
     </p:spTree>
     <p:extLst>
       <p:ext uri="{BB962C8B-B14F-4D97-AF65-F5344CB8AC3E}">

--- a/poster_material/poster.pptx
+++ b/poster_material/poster.pptx
@@ -4541,6 +4541,164 @@
           </a:p>
         </p:txBody>
       </p:sp>
+      <p:sp>
+        <p:nvSpPr>
+          <p:cNvPr id="38" name="TextBox 9">
+            <a:extLst>
+              <a:ext uri="{FF2B5EF4-FFF2-40B4-BE49-F238E27FC236}">
+                <a16:creationId xmlns:a16="http://schemas.microsoft.com/office/drawing/2014/main" id="{E188FC17-545B-4B92-8423-37DB3FEF02E1}"/>
+              </a:ext>
+            </a:extLst>
+          </p:cNvPr>
+          <p:cNvSpPr txBox="1"/>
+          <p:nvPr/>
+        </p:nvSpPr>
+        <p:spPr>
+          <a:xfrm>
+            <a:off x="458211" y="6863369"/>
+            <a:ext cx="20244743" cy="2123658"/>
+          </a:xfrm>
+          <a:prstGeom prst="rect">
+            <a:avLst/>
+          </a:prstGeom>
+          <a:noFill/>
+        </p:spPr>
+        <p:txBody>
+          <a:bodyPr wrap="square" rtlCol="0">
+            <a:spAutoFit/>
+          </a:bodyPr>
+          <a:lstStyle/>
+          <a:p>
+            <a:r>
+              <a:rPr lang="en-US" sz="3300" dirty="0">
+                <a:latin typeface="Comic Sans MS" panose="030F0702030302020204" pitchFamily="66" charset="0"/>
+              </a:rPr>
+              <a:t>The content of our project is to input a facial picture of an animated character, combined with the camera to capture the expressions and actions made by a real person, so that the animated character can make expressions and actions consistent with the real person.</a:t>
+            </a:r>
+          </a:p>
+          <a:p>
+            <a:r>
+              <a:rPr lang="en-US" sz="3300" dirty="0">
+                <a:latin typeface="Comic Sans MS" panose="030F0702030302020204" pitchFamily="66" charset="0"/>
+              </a:rPr>
+              <a:t>Below is part of the structure of our project.</a:t>
+            </a:r>
+          </a:p>
+        </p:txBody>
+      </p:sp>
+      <p:sp>
+        <p:nvSpPr>
+          <p:cNvPr id="42" name="TextBox 48">
+            <a:extLst>
+              <a:ext uri="{FF2B5EF4-FFF2-40B4-BE49-F238E27FC236}">
+                <a16:creationId xmlns:a16="http://schemas.microsoft.com/office/drawing/2014/main" id="{E5D7FF19-F57D-4DA5-B39B-BCF7EACAC92E}"/>
+              </a:ext>
+            </a:extLst>
+          </p:cNvPr>
+          <p:cNvSpPr txBox="1"/>
+          <p:nvPr/>
+        </p:nvSpPr>
+        <p:spPr>
+          <a:xfrm>
+            <a:off x="21715384" y="5615535"/>
+            <a:ext cx="20630168" cy="5093702"/>
+          </a:xfrm>
+          <a:prstGeom prst="rect">
+            <a:avLst/>
+          </a:prstGeom>
+          <a:noFill/>
+        </p:spPr>
+        <p:txBody>
+          <a:bodyPr wrap="square" rtlCol="0">
+            <a:spAutoFit/>
+          </a:bodyPr>
+          <a:lstStyle/>
+          <a:p>
+            <a:r>
+              <a:rPr lang="en-US" sz="2500" dirty="0">
+                <a:latin typeface="Cavolini" panose="03000502040302020204" pitchFamily="66" charset="0"/>
+                <a:cs typeface="Cavolini" panose="03000502040302020204" pitchFamily="66" charset="0"/>
+              </a:rPr>
+              <a:t>We developed our model based on a open source project, talking-head-anime, which supports us with fundamental structure of network and framework. We aim to perfect and improve its deficiencies, and hope to make it a user-friendly</a:t>
+            </a:r>
+          </a:p>
+          <a:p>
+            <a:r>
+              <a:rPr lang="en-US" sz="2500" dirty="0">
+                <a:latin typeface="Cavolini" panose="03000502040302020204" pitchFamily="66" charset="0"/>
+                <a:cs typeface="Cavolini" panose="03000502040302020204" pitchFamily="66" charset="0"/>
+              </a:rPr>
+              <a:t>landing project.</a:t>
+            </a:r>
+          </a:p>
+          <a:p>
+            <a:r>
+              <a:rPr lang="en-US" sz="2500" dirty="0">
+                <a:latin typeface="Cavolini" panose="03000502040302020204" pitchFamily="66" charset="0"/>
+                <a:cs typeface="Cavolini" panose="03000502040302020204" pitchFamily="66" charset="0"/>
+              </a:rPr>
+              <a:t>Thought the basic frame work has done many essential works, it still has many defect that need to be improved.</a:t>
+            </a:r>
+          </a:p>
+          <a:p>
+            <a:r>
+              <a:rPr lang="en-US" sz="2500" dirty="0">
+                <a:latin typeface="Cavolini" panose="03000502040302020204" pitchFamily="66" charset="0"/>
+                <a:cs typeface="Cavolini" panose="03000502040302020204" pitchFamily="66" charset="0"/>
+              </a:rPr>
+              <a:t>1. First is the input part, the frame work has a strict restriction on the size of the image. This restriction means that is impossible for a user to choose a random image, which hasn't been edited deliberately, as the input, causing a great inconvenience. Also some user may have the need to generate a random image instead of using any existing images.</a:t>
+            </a:r>
+          </a:p>
+          <a:p>
+            <a:r>
+              <a:rPr lang="en-US" sz="2500" dirty="0">
+                <a:latin typeface="Cavolini" panose="03000502040302020204" pitchFamily="66" charset="0"/>
+                <a:cs typeface="Cavolini" panose="03000502040302020204" pitchFamily="66" charset="0"/>
+              </a:rPr>
+              <a:t>2. Secondly, we find that the facial landmark detection supported by the original frame work is not accurate enough to recognize the features of a human face, which may lead to the failure of generating the corresponding changes to the image.</a:t>
+            </a:r>
+          </a:p>
+          <a:p>
+            <a:r>
+              <a:rPr lang="en-US" sz="2500" dirty="0">
+                <a:latin typeface="Cavolini" panose="03000502040302020204" pitchFamily="66" charset="0"/>
+                <a:cs typeface="Cavolini" panose="03000502040302020204" pitchFamily="66" charset="0"/>
+              </a:rPr>
+              <a:t>3. We also find that some images are in low resolution, which will greatly impact the user’s experience.</a:t>
+            </a:r>
+          </a:p>
+        </p:txBody>
+      </p:sp>
+      <p:pic>
+        <p:nvPicPr>
+          <p:cNvPr id="21" name="图片 20">
+            <a:extLst>
+              <a:ext uri="{FF2B5EF4-FFF2-40B4-BE49-F238E27FC236}">
+                <a16:creationId xmlns:a16="http://schemas.microsoft.com/office/drawing/2014/main" id="{BA7C2E67-5E91-4C4C-A6DD-1558A11403D7}"/>
+              </a:ext>
+            </a:extLst>
+          </p:cNvPr>
+          <p:cNvPicPr>
+            <a:picLocks noChangeAspect="1"/>
+          </p:cNvPicPr>
+          <p:nvPr/>
+        </p:nvPicPr>
+        <p:blipFill>
+          <a:blip r:embed="rId13"/>
+          <a:stretch>
+            <a:fillRect/>
+          </a:stretch>
+        </p:blipFill>
+        <p:spPr>
+          <a:xfrm>
+            <a:off x="418012" y="9304130"/>
+            <a:ext cx="19752378" cy="1321840"/>
+          </a:xfrm>
+          <a:prstGeom prst="rect">
+            <a:avLst/>
+          </a:prstGeom>
+        </p:spPr>
+      </p:pic>
     </p:spTree>
     <p:extLst>
       <p:ext uri="{BB962C8B-B14F-4D97-AF65-F5344CB8AC3E}">
